--- a/04_Linux_Session5_Shell_Scipting_User.pptx
+++ b/04_Linux_Session5_Shell_Scipting_User.pptx
@@ -4273,6 +4273,36 @@
                 <a:latin typeface="Arial" charset="0"/>
                 <a:cs typeface="Times New Roman" pitchFamily="18" charset="0"/>
               </a:rPr>
+              <a:t>Vi Editor, </a:t>
+            </a:r>
+            <a:r>
+              <a:rPr lang="en-US" sz="1800">
+                <a:solidFill>
+                  <a:schemeClr val="accent2"/>
+                </a:solidFill>
+                <a:latin typeface="Arial" charset="0"/>
+                <a:cs typeface="Times New Roman" pitchFamily="18" charset="0"/>
+              </a:rPr>
+              <a:t>Pico editor</a:t>
+            </a:r>
+          </a:p>
+          <a:p>
+            <a:pPr lvl="1" eaLnBrk="1" hangingPunct="1">
+              <a:buClr>
+                <a:srgbClr val="000000"/>
+              </a:buClr>
+              <a:buBlip>
+                <a:blip r:embed="rId4"/>
+              </a:buBlip>
+            </a:pPr>
+            <a:r>
+              <a:rPr lang="en-US" sz="1800" dirty="0">
+                <a:solidFill>
+                  <a:schemeClr val="accent2"/>
+                </a:solidFill>
+                <a:latin typeface="Arial" charset="0"/>
+                <a:cs typeface="Times New Roman" pitchFamily="18" charset="0"/>
+              </a:rPr>
               <a:t>Shell Scripting in </a:t>
             </a:r>
             <a:r>
@@ -4310,25 +4340,8 @@
                 <a:latin typeface="Arial" charset="0"/>
                 <a:cs typeface="Times New Roman" pitchFamily="18" charset="0"/>
               </a:rPr>
-              <a:t>User Management – Unix</a:t>
-            </a:r>
-            <a:r>
-              <a:rPr lang="en-US" sz="1800">
-                <a:solidFill>
-                  <a:schemeClr val="accent2"/>
-                </a:solidFill>
-                <a:latin typeface="Arial" charset="0"/>
-                <a:cs typeface="Times New Roman" pitchFamily="18" charset="0"/>
-              </a:rPr>
-              <a:t>/Linux</a:t>
-            </a:r>
-            <a:endParaRPr lang="en-US" sz="1800" dirty="0">
-              <a:solidFill>
-                <a:schemeClr val="accent2"/>
-              </a:solidFill>
-              <a:latin typeface="Arial" charset="0"/>
-              <a:cs typeface="Times New Roman" pitchFamily="18" charset="0"/>
-            </a:endParaRPr>
+              <a:t>User Management – Unix/Linux</a:t>
+            </a:r>
           </a:p>
         </p:txBody>
       </p:sp>

--- a/04_Linux_Session5_Shell_Scipting_User.pptx
+++ b/04_Linux_Session5_Shell_Scipting_User.pptx
@@ -9235,8 +9235,8 @@
         </p:nvSpPr>
         <p:spPr bwMode="auto">
           <a:xfrm>
-            <a:off x="914400" y="896937"/>
-            <a:ext cx="7924800" cy="4114800"/>
+            <a:off x="914400" y="896936"/>
+            <a:ext cx="7924800" cy="5503863"/>
           </a:xfrm>
           <a:noFill/>
           <a:ln>
@@ -9795,7 +9795,7 @@
               </a:buBlip>
             </a:pPr>
             <a:r>
-              <a:rPr lang="en-US" sz="2000" dirty="0">
+              <a:rPr lang="en-US" sz="2000" b="1" dirty="0">
                 <a:solidFill>
                   <a:schemeClr val="accent2"/>
                 </a:solidFill>
